--- a/프레젠테이션1.pptx
+++ b/프레젠테이션1.pptx
@@ -6,6 +6,9 @@
   </p:sldMasterIdLst>
   <p:sldIdLst>
     <p:sldId id="256" r:id="rId2"/>
+    <p:sldId id="257" r:id="rId3"/>
+    <p:sldId id="258" r:id="rId4"/>
+    <p:sldId id="259" r:id="rId5"/>
   </p:sldIdLst>
   <p:sldSz cx="15240000" cy="47625000"/>
   <p:notesSz cx="6858000" cy="9144000"/>
@@ -2973,6 +2976,1262 @@
       </p:grpSpPr>
       <p:grpSp>
         <p:nvGrpSpPr>
+          <p:cNvPr id="8" name="그룹 7"/>
+          <p:cNvGrpSpPr/>
+          <p:nvPr/>
+        </p:nvGrpSpPr>
+        <p:grpSpPr>
+          <a:xfrm>
+            <a:off x="4668000" y="-1"/>
+            <a:ext cx="5904000" cy="47625000"/>
+            <a:chOff x="4668000" y="-1"/>
+            <a:chExt cx="5904000" cy="47625000"/>
+          </a:xfrm>
+        </p:grpSpPr>
+        <p:pic>
+          <p:nvPicPr>
+            <p:cNvPr id="1056" name="Picture 32" descr="설산 하이킹 사진, 무료 다운로드 이미지 - photoAC"/>
+            <p:cNvPicPr>
+              <a:picLocks noChangeAspect="1" noChangeArrowheads="1"/>
+            </p:cNvPicPr>
+            <p:nvPr/>
+          </p:nvPicPr>
+          <p:blipFill>
+            <a:blip r:embed="rId2">
+              <a:extLst>
+                <a:ext uri="{28A0092B-C50C-407E-A947-70E740481C1C}">
+                  <a14:useLocalDpi xmlns:a14="http://schemas.microsoft.com/office/drawing/2010/main" val="0"/>
+                </a:ext>
+              </a:extLst>
+            </a:blip>
+            <a:srcRect/>
+            <a:stretch>
+              <a:fillRect/>
+            </a:stretch>
+          </p:blipFill>
+          <p:spPr bwMode="auto">
+            <a:xfrm>
+              <a:off x="4668000" y="-1"/>
+              <a:ext cx="5904000" cy="3928299"/>
+            </a:xfrm>
+            <a:prstGeom prst="rect">
+              <a:avLst/>
+            </a:prstGeom>
+            <a:noFill/>
+            <a:extLst>
+              <a:ext uri="{909E8E84-426E-40DD-AFC4-6F175D3DCCD1}">
+                <a14:hiddenFill xmlns:a14="http://schemas.microsoft.com/office/drawing/2010/main">
+                  <a:solidFill>
+                    <a:srgbClr val="FFFFFF"/>
+                  </a:solidFill>
+                </a14:hiddenFill>
+              </a:ext>
+            </a:extLst>
+          </p:spPr>
+        </p:pic>
+        <p:pic>
+          <p:nvPicPr>
+            <p:cNvPr id="73" name="Picture 32" descr="설산 하이킹 사진, 무료 다운로드 이미지 - photoAC"/>
+            <p:cNvPicPr>
+              <a:picLocks noChangeAspect="1" noChangeArrowheads="1"/>
+            </p:cNvPicPr>
+            <p:nvPr/>
+          </p:nvPicPr>
+          <p:blipFill>
+            <a:blip r:embed="rId2">
+              <a:extLst>
+                <a:ext uri="{28A0092B-C50C-407E-A947-70E740481C1C}">
+                  <a14:useLocalDpi xmlns:a14="http://schemas.microsoft.com/office/drawing/2010/main" val="0"/>
+                </a:ext>
+              </a:extLst>
+            </a:blip>
+            <a:srcRect/>
+            <a:stretch>
+              <a:fillRect/>
+            </a:stretch>
+          </p:blipFill>
+          <p:spPr bwMode="auto">
+            <a:xfrm>
+              <a:off x="4668000" y="3928298"/>
+              <a:ext cx="5904000" cy="3928299"/>
+            </a:xfrm>
+            <a:prstGeom prst="rect">
+              <a:avLst/>
+            </a:prstGeom>
+            <a:noFill/>
+            <a:extLst>
+              <a:ext uri="{909E8E84-426E-40DD-AFC4-6F175D3DCCD1}">
+                <a14:hiddenFill xmlns:a14="http://schemas.microsoft.com/office/drawing/2010/main">
+                  <a:solidFill>
+                    <a:srgbClr val="FFFFFF"/>
+                  </a:solidFill>
+                </a14:hiddenFill>
+              </a:ext>
+            </a:extLst>
+          </p:spPr>
+        </p:pic>
+        <p:pic>
+          <p:nvPicPr>
+            <p:cNvPr id="74" name="Picture 32" descr="설산 하이킹 사진, 무료 다운로드 이미지 - photoAC"/>
+            <p:cNvPicPr>
+              <a:picLocks noChangeAspect="1" noChangeArrowheads="1"/>
+            </p:cNvPicPr>
+            <p:nvPr/>
+          </p:nvPicPr>
+          <p:blipFill>
+            <a:blip r:embed="rId2">
+              <a:extLst>
+                <a:ext uri="{28A0092B-C50C-407E-A947-70E740481C1C}">
+                  <a14:useLocalDpi xmlns:a14="http://schemas.microsoft.com/office/drawing/2010/main" val="0"/>
+                </a:ext>
+              </a:extLst>
+            </a:blip>
+            <a:srcRect/>
+            <a:stretch>
+              <a:fillRect/>
+            </a:stretch>
+          </p:blipFill>
+          <p:spPr bwMode="auto">
+            <a:xfrm>
+              <a:off x="4668000" y="7856596"/>
+              <a:ext cx="5904000" cy="3928299"/>
+            </a:xfrm>
+            <a:prstGeom prst="rect">
+              <a:avLst/>
+            </a:prstGeom>
+            <a:noFill/>
+            <a:extLst>
+              <a:ext uri="{909E8E84-426E-40DD-AFC4-6F175D3DCCD1}">
+                <a14:hiddenFill xmlns:a14="http://schemas.microsoft.com/office/drawing/2010/main">
+                  <a:solidFill>
+                    <a:srgbClr val="FFFFFF"/>
+                  </a:solidFill>
+                </a14:hiddenFill>
+              </a:ext>
+            </a:extLst>
+          </p:spPr>
+        </p:pic>
+        <p:pic>
+          <p:nvPicPr>
+            <p:cNvPr id="75" name="Picture 32" descr="설산 하이킹 사진, 무료 다운로드 이미지 - photoAC"/>
+            <p:cNvPicPr>
+              <a:picLocks noChangeAspect="1" noChangeArrowheads="1"/>
+            </p:cNvPicPr>
+            <p:nvPr/>
+          </p:nvPicPr>
+          <p:blipFill>
+            <a:blip r:embed="rId2">
+              <a:extLst>
+                <a:ext uri="{28A0092B-C50C-407E-A947-70E740481C1C}">
+                  <a14:useLocalDpi xmlns:a14="http://schemas.microsoft.com/office/drawing/2010/main" val="0"/>
+                </a:ext>
+              </a:extLst>
+            </a:blip>
+            <a:srcRect/>
+            <a:stretch>
+              <a:fillRect/>
+            </a:stretch>
+          </p:blipFill>
+          <p:spPr bwMode="auto">
+            <a:xfrm>
+              <a:off x="4668000" y="11784895"/>
+              <a:ext cx="5904000" cy="3928299"/>
+            </a:xfrm>
+            <a:prstGeom prst="rect">
+              <a:avLst/>
+            </a:prstGeom>
+            <a:noFill/>
+            <a:extLst>
+              <a:ext uri="{909E8E84-426E-40DD-AFC4-6F175D3DCCD1}">
+                <a14:hiddenFill xmlns:a14="http://schemas.microsoft.com/office/drawing/2010/main">
+                  <a:solidFill>
+                    <a:srgbClr val="FFFFFF"/>
+                  </a:solidFill>
+                </a14:hiddenFill>
+              </a:ext>
+            </a:extLst>
+          </p:spPr>
+        </p:pic>
+        <p:pic>
+          <p:nvPicPr>
+            <p:cNvPr id="76" name="Picture 32" descr="설산 하이킹 사진, 무료 다운로드 이미지 - photoAC"/>
+            <p:cNvPicPr>
+              <a:picLocks noChangeAspect="1" noChangeArrowheads="1"/>
+            </p:cNvPicPr>
+            <p:nvPr/>
+          </p:nvPicPr>
+          <p:blipFill>
+            <a:blip r:embed="rId2">
+              <a:extLst>
+                <a:ext uri="{28A0092B-C50C-407E-A947-70E740481C1C}">
+                  <a14:useLocalDpi xmlns:a14="http://schemas.microsoft.com/office/drawing/2010/main" val="0"/>
+                </a:ext>
+              </a:extLst>
+            </a:blip>
+            <a:srcRect/>
+            <a:stretch>
+              <a:fillRect/>
+            </a:stretch>
+          </p:blipFill>
+          <p:spPr bwMode="auto">
+            <a:xfrm>
+              <a:off x="4668000" y="15713193"/>
+              <a:ext cx="5904000" cy="3928299"/>
+            </a:xfrm>
+            <a:prstGeom prst="rect">
+              <a:avLst/>
+            </a:prstGeom>
+            <a:noFill/>
+            <a:extLst>
+              <a:ext uri="{909E8E84-426E-40DD-AFC4-6F175D3DCCD1}">
+                <a14:hiddenFill xmlns:a14="http://schemas.microsoft.com/office/drawing/2010/main">
+                  <a:solidFill>
+                    <a:srgbClr val="FFFFFF"/>
+                  </a:solidFill>
+                </a14:hiddenFill>
+              </a:ext>
+            </a:extLst>
+          </p:spPr>
+        </p:pic>
+        <p:pic>
+          <p:nvPicPr>
+            <p:cNvPr id="77" name="Picture 32" descr="설산 하이킹 사진, 무료 다운로드 이미지 - photoAC"/>
+            <p:cNvPicPr>
+              <a:picLocks noChangeAspect="1" noChangeArrowheads="1"/>
+            </p:cNvPicPr>
+            <p:nvPr/>
+          </p:nvPicPr>
+          <p:blipFill>
+            <a:blip r:embed="rId2">
+              <a:extLst>
+                <a:ext uri="{28A0092B-C50C-407E-A947-70E740481C1C}">
+                  <a14:useLocalDpi xmlns:a14="http://schemas.microsoft.com/office/drawing/2010/main" val="0"/>
+                </a:ext>
+              </a:extLst>
+            </a:blip>
+            <a:srcRect/>
+            <a:stretch>
+              <a:fillRect/>
+            </a:stretch>
+          </p:blipFill>
+          <p:spPr bwMode="auto">
+            <a:xfrm>
+              <a:off x="4668000" y="19641492"/>
+              <a:ext cx="5904000" cy="3928299"/>
+            </a:xfrm>
+            <a:prstGeom prst="rect">
+              <a:avLst/>
+            </a:prstGeom>
+            <a:noFill/>
+            <a:extLst>
+              <a:ext uri="{909E8E84-426E-40DD-AFC4-6F175D3DCCD1}">
+                <a14:hiddenFill xmlns:a14="http://schemas.microsoft.com/office/drawing/2010/main">
+                  <a:solidFill>
+                    <a:srgbClr val="FFFFFF"/>
+                  </a:solidFill>
+                </a14:hiddenFill>
+              </a:ext>
+            </a:extLst>
+          </p:spPr>
+        </p:pic>
+        <p:pic>
+          <p:nvPicPr>
+            <p:cNvPr id="78" name="Picture 32" descr="설산 하이킹 사진, 무료 다운로드 이미지 - photoAC"/>
+            <p:cNvPicPr>
+              <a:picLocks noChangeAspect="1" noChangeArrowheads="1"/>
+            </p:cNvPicPr>
+            <p:nvPr/>
+          </p:nvPicPr>
+          <p:blipFill>
+            <a:blip r:embed="rId2">
+              <a:extLst>
+                <a:ext uri="{28A0092B-C50C-407E-A947-70E740481C1C}">
+                  <a14:useLocalDpi xmlns:a14="http://schemas.microsoft.com/office/drawing/2010/main" val="0"/>
+                </a:ext>
+              </a:extLst>
+            </a:blip>
+            <a:srcRect/>
+            <a:stretch>
+              <a:fillRect/>
+            </a:stretch>
+          </p:blipFill>
+          <p:spPr bwMode="auto">
+            <a:xfrm>
+              <a:off x="4668000" y="23543434"/>
+              <a:ext cx="5904000" cy="3928299"/>
+            </a:xfrm>
+            <a:prstGeom prst="rect">
+              <a:avLst/>
+            </a:prstGeom>
+            <a:noFill/>
+            <a:extLst>
+              <a:ext uri="{909E8E84-426E-40DD-AFC4-6F175D3DCCD1}">
+                <a14:hiddenFill xmlns:a14="http://schemas.microsoft.com/office/drawing/2010/main">
+                  <a:solidFill>
+                    <a:srgbClr val="FFFFFF"/>
+                  </a:solidFill>
+                </a14:hiddenFill>
+              </a:ext>
+            </a:extLst>
+          </p:spPr>
+        </p:pic>
+        <p:pic>
+          <p:nvPicPr>
+            <p:cNvPr id="79" name="Picture 32" descr="설산 하이킹 사진, 무료 다운로드 이미지 - photoAC"/>
+            <p:cNvPicPr>
+              <a:picLocks noChangeAspect="1" noChangeArrowheads="1"/>
+            </p:cNvPicPr>
+            <p:nvPr/>
+          </p:nvPicPr>
+          <p:blipFill>
+            <a:blip r:embed="rId2">
+              <a:extLst>
+                <a:ext uri="{28A0092B-C50C-407E-A947-70E740481C1C}">
+                  <a14:useLocalDpi xmlns:a14="http://schemas.microsoft.com/office/drawing/2010/main" val="0"/>
+                </a:ext>
+              </a:extLst>
+            </a:blip>
+            <a:srcRect/>
+            <a:stretch>
+              <a:fillRect/>
+            </a:stretch>
+          </p:blipFill>
+          <p:spPr bwMode="auto">
+            <a:xfrm>
+              <a:off x="4668000" y="27471733"/>
+              <a:ext cx="5904000" cy="3928299"/>
+            </a:xfrm>
+            <a:prstGeom prst="rect">
+              <a:avLst/>
+            </a:prstGeom>
+            <a:noFill/>
+            <a:extLst>
+              <a:ext uri="{909E8E84-426E-40DD-AFC4-6F175D3DCCD1}">
+                <a14:hiddenFill xmlns:a14="http://schemas.microsoft.com/office/drawing/2010/main">
+                  <a:solidFill>
+                    <a:srgbClr val="FFFFFF"/>
+                  </a:solidFill>
+                </a14:hiddenFill>
+              </a:ext>
+            </a:extLst>
+          </p:spPr>
+        </p:pic>
+        <p:pic>
+          <p:nvPicPr>
+            <p:cNvPr id="80" name="Picture 32" descr="설산 하이킹 사진, 무료 다운로드 이미지 - photoAC"/>
+            <p:cNvPicPr>
+              <a:picLocks noChangeAspect="1" noChangeArrowheads="1"/>
+            </p:cNvPicPr>
+            <p:nvPr/>
+          </p:nvPicPr>
+          <p:blipFill>
+            <a:blip r:embed="rId2">
+              <a:extLst>
+                <a:ext uri="{28A0092B-C50C-407E-A947-70E740481C1C}">
+                  <a14:useLocalDpi xmlns:a14="http://schemas.microsoft.com/office/drawing/2010/main" val="0"/>
+                </a:ext>
+              </a:extLst>
+            </a:blip>
+            <a:srcRect/>
+            <a:stretch>
+              <a:fillRect/>
+            </a:stretch>
+          </p:blipFill>
+          <p:spPr bwMode="auto">
+            <a:xfrm>
+              <a:off x="4668000" y="31400031"/>
+              <a:ext cx="5904000" cy="3928299"/>
+            </a:xfrm>
+            <a:prstGeom prst="rect">
+              <a:avLst/>
+            </a:prstGeom>
+            <a:noFill/>
+            <a:extLst>
+              <a:ext uri="{909E8E84-426E-40DD-AFC4-6F175D3DCCD1}">
+                <a14:hiddenFill xmlns:a14="http://schemas.microsoft.com/office/drawing/2010/main">
+                  <a:solidFill>
+                    <a:srgbClr val="FFFFFF"/>
+                  </a:solidFill>
+                </a14:hiddenFill>
+              </a:ext>
+            </a:extLst>
+          </p:spPr>
+        </p:pic>
+        <p:pic>
+          <p:nvPicPr>
+            <p:cNvPr id="81" name="Picture 32" descr="설산 하이킹 사진, 무료 다운로드 이미지 - photoAC"/>
+            <p:cNvPicPr>
+              <a:picLocks noChangeAspect="1" noChangeArrowheads="1"/>
+            </p:cNvPicPr>
+            <p:nvPr/>
+          </p:nvPicPr>
+          <p:blipFill>
+            <a:blip r:embed="rId2">
+              <a:extLst>
+                <a:ext uri="{28A0092B-C50C-407E-A947-70E740481C1C}">
+                  <a14:useLocalDpi xmlns:a14="http://schemas.microsoft.com/office/drawing/2010/main" val="0"/>
+                </a:ext>
+              </a:extLst>
+            </a:blip>
+            <a:srcRect/>
+            <a:stretch>
+              <a:fillRect/>
+            </a:stretch>
+          </p:blipFill>
+          <p:spPr bwMode="auto">
+            <a:xfrm>
+              <a:off x="4668000" y="35328330"/>
+              <a:ext cx="5904000" cy="3928299"/>
+            </a:xfrm>
+            <a:prstGeom prst="rect">
+              <a:avLst/>
+            </a:prstGeom>
+            <a:noFill/>
+            <a:extLst>
+              <a:ext uri="{909E8E84-426E-40DD-AFC4-6F175D3DCCD1}">
+                <a14:hiddenFill xmlns:a14="http://schemas.microsoft.com/office/drawing/2010/main">
+                  <a:solidFill>
+                    <a:srgbClr val="FFFFFF"/>
+                  </a:solidFill>
+                </a14:hiddenFill>
+              </a:ext>
+            </a:extLst>
+          </p:spPr>
+        </p:pic>
+        <p:pic>
+          <p:nvPicPr>
+            <p:cNvPr id="82" name="Picture 32" descr="설산 하이킹 사진, 무료 다운로드 이미지 - photoAC"/>
+            <p:cNvPicPr>
+              <a:picLocks noChangeAspect="1" noChangeArrowheads="1"/>
+            </p:cNvPicPr>
+            <p:nvPr/>
+          </p:nvPicPr>
+          <p:blipFill>
+            <a:blip r:embed="rId2">
+              <a:extLst>
+                <a:ext uri="{28A0092B-C50C-407E-A947-70E740481C1C}">
+                  <a14:useLocalDpi xmlns:a14="http://schemas.microsoft.com/office/drawing/2010/main" val="0"/>
+                </a:ext>
+              </a:extLst>
+            </a:blip>
+            <a:srcRect/>
+            <a:stretch>
+              <a:fillRect/>
+            </a:stretch>
+          </p:blipFill>
+          <p:spPr bwMode="auto">
+            <a:xfrm>
+              <a:off x="4668000" y="39256628"/>
+              <a:ext cx="5904000" cy="3928299"/>
+            </a:xfrm>
+            <a:prstGeom prst="rect">
+              <a:avLst/>
+            </a:prstGeom>
+            <a:noFill/>
+            <a:extLst>
+              <a:ext uri="{909E8E84-426E-40DD-AFC4-6F175D3DCCD1}">
+                <a14:hiddenFill xmlns:a14="http://schemas.microsoft.com/office/drawing/2010/main">
+                  <a:solidFill>
+                    <a:srgbClr val="FFFFFF"/>
+                  </a:solidFill>
+                </a14:hiddenFill>
+              </a:ext>
+            </a:extLst>
+          </p:spPr>
+        </p:pic>
+        <p:pic>
+          <p:nvPicPr>
+            <p:cNvPr id="83" name="Picture 32" descr="설산 하이킹 사진, 무료 다운로드 이미지 - photoAC"/>
+            <p:cNvPicPr>
+              <a:picLocks noChangeAspect="1" noChangeArrowheads="1"/>
+            </p:cNvPicPr>
+            <p:nvPr/>
+          </p:nvPicPr>
+          <p:blipFill>
+            <a:blip r:embed="rId2">
+              <a:extLst>
+                <a:ext uri="{28A0092B-C50C-407E-A947-70E740481C1C}">
+                  <a14:useLocalDpi xmlns:a14="http://schemas.microsoft.com/office/drawing/2010/main" val="0"/>
+                </a:ext>
+              </a:extLst>
+            </a:blip>
+            <a:srcRect/>
+            <a:stretch>
+              <a:fillRect/>
+            </a:stretch>
+          </p:blipFill>
+          <p:spPr bwMode="auto">
+            <a:xfrm>
+              <a:off x="4668000" y="43184927"/>
+              <a:ext cx="5904000" cy="3928299"/>
+            </a:xfrm>
+            <a:prstGeom prst="rect">
+              <a:avLst/>
+            </a:prstGeom>
+            <a:noFill/>
+            <a:extLst>
+              <a:ext uri="{909E8E84-426E-40DD-AFC4-6F175D3DCCD1}">
+                <a14:hiddenFill xmlns:a14="http://schemas.microsoft.com/office/drawing/2010/main">
+                  <a:solidFill>
+                    <a:srgbClr val="FFFFFF"/>
+                  </a:solidFill>
+                </a14:hiddenFill>
+              </a:ext>
+            </a:extLst>
+          </p:spPr>
+        </p:pic>
+        <p:pic>
+          <p:nvPicPr>
+            <p:cNvPr id="84" name="Picture 32" descr="설산 하이킹 사진, 무료 다운로드 이미지 - photoAC"/>
+            <p:cNvPicPr>
+              <a:picLocks noChangeAspect="1" noChangeArrowheads="1"/>
+            </p:cNvPicPr>
+            <p:nvPr/>
+          </p:nvPicPr>
+          <p:blipFill rotWithShape="1">
+            <a:blip r:embed="rId2">
+              <a:extLst>
+                <a:ext uri="{28A0092B-C50C-407E-A947-70E740481C1C}">
+                  <a14:useLocalDpi xmlns:a14="http://schemas.microsoft.com/office/drawing/2010/main" val="0"/>
+                </a:ext>
+              </a:extLst>
+            </a:blip>
+            <a:srcRect b="87748"/>
+            <a:stretch/>
+          </p:blipFill>
+          <p:spPr bwMode="auto">
+            <a:xfrm>
+              <a:off x="4668000" y="47113225"/>
+              <a:ext cx="5904000" cy="511774"/>
+            </a:xfrm>
+            <a:prstGeom prst="rect">
+              <a:avLst/>
+            </a:prstGeom>
+            <a:noFill/>
+            <a:extLst>
+              <a:ext uri="{909E8E84-426E-40DD-AFC4-6F175D3DCCD1}">
+                <a14:hiddenFill xmlns:a14="http://schemas.microsoft.com/office/drawing/2010/main">
+                  <a:solidFill>
+                    <a:srgbClr val="FFFFFF"/>
+                  </a:solidFill>
+                </a14:hiddenFill>
+              </a:ext>
+            </a:extLst>
+          </p:spPr>
+        </p:pic>
+      </p:grpSp>
+    </p:spTree>
+    <p:extLst>
+      <p:ext uri="{BB962C8B-B14F-4D97-AF65-F5344CB8AC3E}">
+        <p14:creationId xmlns:p14="http://schemas.microsoft.com/office/powerpoint/2010/main" val="4222740753"/>
+      </p:ext>
+    </p:extLst>
+  </p:cSld>
+  <p:clrMapOvr>
+    <a:masterClrMapping/>
+  </p:clrMapOvr>
+  <p:timing>
+    <p:tnLst>
+      <p:par>
+        <p:cTn id="1" dur="indefinite" restart="never" nodeType="tmRoot"/>
+      </p:par>
+    </p:tnLst>
+  </p:timing>
+</p:sld>
+</file>
+
+<file path=ppt/slides/slide2.xml><?xml version="1.0" encoding="utf-8"?>
+<p:sld xmlns:a="http://schemas.openxmlformats.org/drawingml/2006/main" xmlns:r="http://schemas.openxmlformats.org/officeDocument/2006/relationships" xmlns:p="http://schemas.openxmlformats.org/presentationml/2006/main">
+  <p:cSld>
+    <p:spTree>
+      <p:nvGrpSpPr>
+        <p:cNvPr id="1" name=""/>
+        <p:cNvGrpSpPr/>
+        <p:nvPr/>
+      </p:nvGrpSpPr>
+      <p:grpSpPr>
+        <a:xfrm>
+          <a:off x="0" y="0"/>
+          <a:ext cx="0" cy="0"/>
+          <a:chOff x="0" y="0"/>
+          <a:chExt cx="0" cy="0"/>
+        </a:xfrm>
+      </p:grpSpPr>
+      <p:grpSp>
+        <p:nvGrpSpPr>
+          <p:cNvPr id="37" name="그룹 36"/>
+          <p:cNvGrpSpPr/>
+          <p:nvPr/>
+        </p:nvGrpSpPr>
+        <p:grpSpPr>
+          <a:xfrm>
+            <a:off x="3813638" y="0"/>
+            <a:ext cx="854362" cy="47624999"/>
+            <a:chOff x="3813638" y="0"/>
+            <a:chExt cx="854362" cy="47624999"/>
+          </a:xfrm>
+        </p:grpSpPr>
+        <p:grpSp>
+          <p:nvGrpSpPr>
+            <p:cNvPr id="35" name="그룹 34"/>
+            <p:cNvGrpSpPr/>
+            <p:nvPr/>
+          </p:nvGrpSpPr>
+          <p:grpSpPr>
+            <a:xfrm>
+              <a:off x="3813638" y="0"/>
+              <a:ext cx="854362" cy="34290005"/>
+              <a:chOff x="3813638" y="0"/>
+              <a:chExt cx="854362" cy="34290005"/>
+            </a:xfrm>
+          </p:grpSpPr>
+          <p:pic>
+            <p:nvPicPr>
+              <p:cNvPr id="1058" name="Picture 34" descr="주형 빨강 하양 배경 - Pixabay의 무료 이미지"/>
+              <p:cNvPicPr>
+                <a:picLocks noChangeAspect="1" noChangeArrowheads="1"/>
+              </p:cNvPicPr>
+              <p:nvPr/>
+            </p:nvPicPr>
+            <p:blipFill rotWithShape="1">
+              <a:blip r:embed="rId2">
+                <a:extLst>
+                  <a:ext uri="{28A0092B-C50C-407E-A947-70E740481C1C}">
+                    <a14:useLocalDpi xmlns:a14="http://schemas.microsoft.com/office/drawing/2010/main" val="0"/>
+                  </a:ext>
+                </a:extLst>
+              </a:blip>
+              <a:srcRect r="84185"/>
+              <a:stretch/>
+            </p:blipFill>
+            <p:spPr bwMode="auto">
+              <a:xfrm>
+                <a:off x="3813638" y="0"/>
+                <a:ext cx="854362" cy="6858001"/>
+              </a:xfrm>
+              <a:prstGeom prst="rect">
+                <a:avLst/>
+              </a:prstGeom>
+              <a:noFill/>
+              <a:extLst>
+                <a:ext uri="{909E8E84-426E-40DD-AFC4-6F175D3DCCD1}">
+                  <a14:hiddenFill xmlns:a14="http://schemas.microsoft.com/office/drawing/2010/main">
+                    <a:solidFill>
+                      <a:srgbClr val="FFFFFF"/>
+                    </a:solidFill>
+                  </a14:hiddenFill>
+                </a:ext>
+              </a:extLst>
+            </p:spPr>
+          </p:pic>
+          <p:pic>
+            <p:nvPicPr>
+              <p:cNvPr id="87" name="Picture 34" descr="주형 빨강 하양 배경 - Pixabay의 무료 이미지"/>
+              <p:cNvPicPr>
+                <a:picLocks noChangeAspect="1" noChangeArrowheads="1"/>
+              </p:cNvPicPr>
+              <p:nvPr/>
+            </p:nvPicPr>
+            <p:blipFill rotWithShape="1">
+              <a:blip r:embed="rId2">
+                <a:extLst>
+                  <a:ext uri="{28A0092B-C50C-407E-A947-70E740481C1C}">
+                    <a14:useLocalDpi xmlns:a14="http://schemas.microsoft.com/office/drawing/2010/main" val="0"/>
+                  </a:ext>
+                </a:extLst>
+              </a:blip>
+              <a:srcRect r="84185"/>
+              <a:stretch/>
+            </p:blipFill>
+            <p:spPr bwMode="auto">
+              <a:xfrm>
+                <a:off x="3813638" y="6858001"/>
+                <a:ext cx="854362" cy="6858001"/>
+              </a:xfrm>
+              <a:prstGeom prst="rect">
+                <a:avLst/>
+              </a:prstGeom>
+              <a:noFill/>
+              <a:extLst>
+                <a:ext uri="{909E8E84-426E-40DD-AFC4-6F175D3DCCD1}">
+                  <a14:hiddenFill xmlns:a14="http://schemas.microsoft.com/office/drawing/2010/main">
+                    <a:solidFill>
+                      <a:srgbClr val="FFFFFF"/>
+                    </a:solidFill>
+                  </a14:hiddenFill>
+                </a:ext>
+              </a:extLst>
+            </p:spPr>
+          </p:pic>
+          <p:pic>
+            <p:nvPicPr>
+              <p:cNvPr id="88" name="Picture 34" descr="주형 빨강 하양 배경 - Pixabay의 무료 이미지"/>
+              <p:cNvPicPr>
+                <a:picLocks noChangeAspect="1" noChangeArrowheads="1"/>
+              </p:cNvPicPr>
+              <p:nvPr/>
+            </p:nvPicPr>
+            <p:blipFill rotWithShape="1">
+              <a:blip r:embed="rId2">
+                <a:extLst>
+                  <a:ext uri="{28A0092B-C50C-407E-A947-70E740481C1C}">
+                    <a14:useLocalDpi xmlns:a14="http://schemas.microsoft.com/office/drawing/2010/main" val="0"/>
+                  </a:ext>
+                </a:extLst>
+              </a:blip>
+              <a:srcRect r="84185"/>
+              <a:stretch/>
+            </p:blipFill>
+            <p:spPr bwMode="auto">
+              <a:xfrm>
+                <a:off x="3813638" y="13716002"/>
+                <a:ext cx="854362" cy="6858001"/>
+              </a:xfrm>
+              <a:prstGeom prst="rect">
+                <a:avLst/>
+              </a:prstGeom>
+              <a:noFill/>
+              <a:extLst>
+                <a:ext uri="{909E8E84-426E-40DD-AFC4-6F175D3DCCD1}">
+                  <a14:hiddenFill xmlns:a14="http://schemas.microsoft.com/office/drawing/2010/main">
+                    <a:solidFill>
+                      <a:srgbClr val="FFFFFF"/>
+                    </a:solidFill>
+                  </a14:hiddenFill>
+                </a:ext>
+              </a:extLst>
+            </p:spPr>
+          </p:pic>
+          <p:pic>
+            <p:nvPicPr>
+              <p:cNvPr id="89" name="Picture 34" descr="주형 빨강 하양 배경 - Pixabay의 무료 이미지"/>
+              <p:cNvPicPr>
+                <a:picLocks noChangeAspect="1" noChangeArrowheads="1"/>
+              </p:cNvPicPr>
+              <p:nvPr/>
+            </p:nvPicPr>
+            <p:blipFill rotWithShape="1">
+              <a:blip r:embed="rId2">
+                <a:extLst>
+                  <a:ext uri="{28A0092B-C50C-407E-A947-70E740481C1C}">
+                    <a14:useLocalDpi xmlns:a14="http://schemas.microsoft.com/office/drawing/2010/main" val="0"/>
+                  </a:ext>
+                </a:extLst>
+              </a:blip>
+              <a:srcRect r="84185"/>
+              <a:stretch/>
+            </p:blipFill>
+            <p:spPr bwMode="auto">
+              <a:xfrm>
+                <a:off x="3813638" y="20574003"/>
+                <a:ext cx="854362" cy="6858001"/>
+              </a:xfrm>
+              <a:prstGeom prst="rect">
+                <a:avLst/>
+              </a:prstGeom>
+              <a:noFill/>
+              <a:extLst>
+                <a:ext uri="{909E8E84-426E-40DD-AFC4-6F175D3DCCD1}">
+                  <a14:hiddenFill xmlns:a14="http://schemas.microsoft.com/office/drawing/2010/main">
+                    <a:solidFill>
+                      <a:srgbClr val="FFFFFF"/>
+                    </a:solidFill>
+                  </a14:hiddenFill>
+                </a:ext>
+              </a:extLst>
+            </p:spPr>
+          </p:pic>
+          <p:pic>
+            <p:nvPicPr>
+              <p:cNvPr id="90" name="Picture 34" descr="주형 빨강 하양 배경 - Pixabay의 무료 이미지"/>
+              <p:cNvPicPr>
+                <a:picLocks noChangeAspect="1" noChangeArrowheads="1"/>
+              </p:cNvPicPr>
+              <p:nvPr/>
+            </p:nvPicPr>
+            <p:blipFill rotWithShape="1">
+              <a:blip r:embed="rId2">
+                <a:extLst>
+                  <a:ext uri="{28A0092B-C50C-407E-A947-70E740481C1C}">
+                    <a14:useLocalDpi xmlns:a14="http://schemas.microsoft.com/office/drawing/2010/main" val="0"/>
+                  </a:ext>
+                </a:extLst>
+              </a:blip>
+              <a:srcRect r="84185"/>
+              <a:stretch/>
+            </p:blipFill>
+            <p:spPr bwMode="auto">
+              <a:xfrm>
+                <a:off x="3813638" y="27432004"/>
+                <a:ext cx="854362" cy="6858001"/>
+              </a:xfrm>
+              <a:prstGeom prst="rect">
+                <a:avLst/>
+              </a:prstGeom>
+              <a:noFill/>
+              <a:extLst>
+                <a:ext uri="{909E8E84-426E-40DD-AFC4-6F175D3DCCD1}">
+                  <a14:hiddenFill xmlns:a14="http://schemas.microsoft.com/office/drawing/2010/main">
+                    <a:solidFill>
+                      <a:srgbClr val="FFFFFF"/>
+                    </a:solidFill>
+                  </a14:hiddenFill>
+                </a:ext>
+              </a:extLst>
+            </p:spPr>
+          </p:pic>
+        </p:grpSp>
+        <p:grpSp>
+          <p:nvGrpSpPr>
+            <p:cNvPr id="36" name="그룹 35"/>
+            <p:cNvGrpSpPr/>
+            <p:nvPr/>
+          </p:nvGrpSpPr>
+          <p:grpSpPr>
+            <a:xfrm>
+              <a:off x="3813638" y="34290005"/>
+              <a:ext cx="854362" cy="13334994"/>
+              <a:chOff x="3813638" y="34290005"/>
+              <a:chExt cx="854362" cy="13334994"/>
+            </a:xfrm>
+          </p:grpSpPr>
+          <p:pic>
+            <p:nvPicPr>
+              <p:cNvPr id="93" name="Picture 34" descr="주형 빨강 하양 배경 - Pixabay의 무료 이미지"/>
+              <p:cNvPicPr>
+                <a:picLocks noChangeAspect="1" noChangeArrowheads="1"/>
+              </p:cNvPicPr>
+              <p:nvPr/>
+            </p:nvPicPr>
+            <p:blipFill rotWithShape="1">
+              <a:blip r:embed="rId2">
+                <a:extLst>
+                  <a:ext uri="{28A0092B-C50C-407E-A947-70E740481C1C}">
+                    <a14:useLocalDpi xmlns:a14="http://schemas.microsoft.com/office/drawing/2010/main" val="0"/>
+                  </a:ext>
+                </a:extLst>
+              </a:blip>
+              <a:srcRect r="84185"/>
+              <a:stretch/>
+            </p:blipFill>
+            <p:spPr bwMode="auto">
+              <a:xfrm>
+                <a:off x="3813638" y="34290005"/>
+                <a:ext cx="854362" cy="6858001"/>
+              </a:xfrm>
+              <a:prstGeom prst="rect">
+                <a:avLst/>
+              </a:prstGeom>
+              <a:noFill/>
+              <a:extLst>
+                <a:ext uri="{909E8E84-426E-40DD-AFC4-6F175D3DCCD1}">
+                  <a14:hiddenFill xmlns:a14="http://schemas.microsoft.com/office/drawing/2010/main">
+                    <a:solidFill>
+                      <a:srgbClr val="FFFFFF"/>
+                    </a:solidFill>
+                  </a14:hiddenFill>
+                </a:ext>
+              </a:extLst>
+            </p:spPr>
+          </p:pic>
+          <p:pic>
+            <p:nvPicPr>
+              <p:cNvPr id="94" name="Picture 34" descr="주형 빨강 하양 배경 - Pixabay의 무료 이미지"/>
+              <p:cNvPicPr>
+                <a:picLocks noChangeAspect="1" noChangeArrowheads="1"/>
+              </p:cNvPicPr>
+              <p:nvPr/>
+            </p:nvPicPr>
+            <p:blipFill rotWithShape="1">
+              <a:blip r:embed="rId2">
+                <a:extLst>
+                  <a:ext uri="{28A0092B-C50C-407E-A947-70E740481C1C}">
+                    <a14:useLocalDpi xmlns:a14="http://schemas.microsoft.com/office/drawing/2010/main" val="0"/>
+                  </a:ext>
+                </a:extLst>
+              </a:blip>
+              <a:srcRect r="84185" b="5820"/>
+              <a:stretch/>
+            </p:blipFill>
+            <p:spPr bwMode="auto">
+              <a:xfrm>
+                <a:off x="3813638" y="41148006"/>
+                <a:ext cx="854362" cy="6476993"/>
+              </a:xfrm>
+              <a:prstGeom prst="rect">
+                <a:avLst/>
+              </a:prstGeom>
+              <a:noFill/>
+              <a:extLst>
+                <a:ext uri="{909E8E84-426E-40DD-AFC4-6F175D3DCCD1}">
+                  <a14:hiddenFill xmlns:a14="http://schemas.microsoft.com/office/drawing/2010/main">
+                    <a:solidFill>
+                      <a:srgbClr val="FFFFFF"/>
+                    </a:solidFill>
+                  </a14:hiddenFill>
+                </a:ext>
+              </a:extLst>
+            </p:spPr>
+          </p:pic>
+        </p:grpSp>
+      </p:grpSp>
+      <p:grpSp>
+        <p:nvGrpSpPr>
+          <p:cNvPr id="100" name="그룹 99"/>
+          <p:cNvGrpSpPr/>
+          <p:nvPr/>
+        </p:nvGrpSpPr>
+        <p:grpSpPr>
+          <a:xfrm>
+            <a:off x="10572000" y="0"/>
+            <a:ext cx="854362" cy="47624999"/>
+            <a:chOff x="3813638" y="0"/>
+            <a:chExt cx="854362" cy="47624999"/>
+          </a:xfrm>
+        </p:grpSpPr>
+        <p:grpSp>
+          <p:nvGrpSpPr>
+            <p:cNvPr id="101" name="그룹 100"/>
+            <p:cNvGrpSpPr/>
+            <p:nvPr/>
+          </p:nvGrpSpPr>
+          <p:grpSpPr>
+            <a:xfrm>
+              <a:off x="3813638" y="0"/>
+              <a:ext cx="854362" cy="34290005"/>
+              <a:chOff x="3813638" y="0"/>
+              <a:chExt cx="854362" cy="34290005"/>
+            </a:xfrm>
+          </p:grpSpPr>
+          <p:pic>
+            <p:nvPicPr>
+              <p:cNvPr id="105" name="Picture 34" descr="주형 빨강 하양 배경 - Pixabay의 무료 이미지"/>
+              <p:cNvPicPr>
+                <a:picLocks noChangeAspect="1" noChangeArrowheads="1"/>
+              </p:cNvPicPr>
+              <p:nvPr/>
+            </p:nvPicPr>
+            <p:blipFill rotWithShape="1">
+              <a:blip r:embed="rId2">
+                <a:extLst>
+                  <a:ext uri="{28A0092B-C50C-407E-A947-70E740481C1C}">
+                    <a14:useLocalDpi xmlns:a14="http://schemas.microsoft.com/office/drawing/2010/main" val="0"/>
+                  </a:ext>
+                </a:extLst>
+              </a:blip>
+              <a:srcRect r="84185"/>
+              <a:stretch/>
+            </p:blipFill>
+            <p:spPr bwMode="auto">
+              <a:xfrm>
+                <a:off x="3813638" y="0"/>
+                <a:ext cx="854362" cy="6858001"/>
+              </a:xfrm>
+              <a:prstGeom prst="rect">
+                <a:avLst/>
+              </a:prstGeom>
+              <a:noFill/>
+              <a:extLst>
+                <a:ext uri="{909E8E84-426E-40DD-AFC4-6F175D3DCCD1}">
+                  <a14:hiddenFill xmlns:a14="http://schemas.microsoft.com/office/drawing/2010/main">
+                    <a:solidFill>
+                      <a:srgbClr val="FFFFFF"/>
+                    </a:solidFill>
+                  </a14:hiddenFill>
+                </a:ext>
+              </a:extLst>
+            </p:spPr>
+          </p:pic>
+          <p:pic>
+            <p:nvPicPr>
+              <p:cNvPr id="106" name="Picture 34" descr="주형 빨강 하양 배경 - Pixabay의 무료 이미지"/>
+              <p:cNvPicPr>
+                <a:picLocks noChangeAspect="1" noChangeArrowheads="1"/>
+              </p:cNvPicPr>
+              <p:nvPr/>
+            </p:nvPicPr>
+            <p:blipFill rotWithShape="1">
+              <a:blip r:embed="rId2">
+                <a:extLst>
+                  <a:ext uri="{28A0092B-C50C-407E-A947-70E740481C1C}">
+                    <a14:useLocalDpi xmlns:a14="http://schemas.microsoft.com/office/drawing/2010/main" val="0"/>
+                  </a:ext>
+                </a:extLst>
+              </a:blip>
+              <a:srcRect r="84185"/>
+              <a:stretch/>
+            </p:blipFill>
+            <p:spPr bwMode="auto">
+              <a:xfrm>
+                <a:off x="3813638" y="6858001"/>
+                <a:ext cx="854362" cy="6858001"/>
+              </a:xfrm>
+              <a:prstGeom prst="rect">
+                <a:avLst/>
+              </a:prstGeom>
+              <a:noFill/>
+              <a:extLst>
+                <a:ext uri="{909E8E84-426E-40DD-AFC4-6F175D3DCCD1}">
+                  <a14:hiddenFill xmlns:a14="http://schemas.microsoft.com/office/drawing/2010/main">
+                    <a:solidFill>
+                      <a:srgbClr val="FFFFFF"/>
+                    </a:solidFill>
+                  </a14:hiddenFill>
+                </a:ext>
+              </a:extLst>
+            </p:spPr>
+          </p:pic>
+          <p:pic>
+            <p:nvPicPr>
+              <p:cNvPr id="107" name="Picture 34" descr="주형 빨강 하양 배경 - Pixabay의 무료 이미지"/>
+              <p:cNvPicPr>
+                <a:picLocks noChangeAspect="1" noChangeArrowheads="1"/>
+              </p:cNvPicPr>
+              <p:nvPr/>
+            </p:nvPicPr>
+            <p:blipFill rotWithShape="1">
+              <a:blip r:embed="rId2">
+                <a:extLst>
+                  <a:ext uri="{28A0092B-C50C-407E-A947-70E740481C1C}">
+                    <a14:useLocalDpi xmlns:a14="http://schemas.microsoft.com/office/drawing/2010/main" val="0"/>
+                  </a:ext>
+                </a:extLst>
+              </a:blip>
+              <a:srcRect r="84185"/>
+              <a:stretch/>
+            </p:blipFill>
+            <p:spPr bwMode="auto">
+              <a:xfrm>
+                <a:off x="3813638" y="13716002"/>
+                <a:ext cx="854362" cy="6858001"/>
+              </a:xfrm>
+              <a:prstGeom prst="rect">
+                <a:avLst/>
+              </a:prstGeom>
+              <a:noFill/>
+              <a:extLst>
+                <a:ext uri="{909E8E84-426E-40DD-AFC4-6F175D3DCCD1}">
+                  <a14:hiddenFill xmlns:a14="http://schemas.microsoft.com/office/drawing/2010/main">
+                    <a:solidFill>
+                      <a:srgbClr val="FFFFFF"/>
+                    </a:solidFill>
+                  </a14:hiddenFill>
+                </a:ext>
+              </a:extLst>
+            </p:spPr>
+          </p:pic>
+          <p:pic>
+            <p:nvPicPr>
+              <p:cNvPr id="108" name="Picture 34" descr="주형 빨강 하양 배경 - Pixabay의 무료 이미지"/>
+              <p:cNvPicPr>
+                <a:picLocks noChangeAspect="1" noChangeArrowheads="1"/>
+              </p:cNvPicPr>
+              <p:nvPr/>
+            </p:nvPicPr>
+            <p:blipFill rotWithShape="1">
+              <a:blip r:embed="rId2">
+                <a:extLst>
+                  <a:ext uri="{28A0092B-C50C-407E-A947-70E740481C1C}">
+                    <a14:useLocalDpi xmlns:a14="http://schemas.microsoft.com/office/drawing/2010/main" val="0"/>
+                  </a:ext>
+                </a:extLst>
+              </a:blip>
+              <a:srcRect r="84185"/>
+              <a:stretch/>
+            </p:blipFill>
+            <p:spPr bwMode="auto">
+              <a:xfrm>
+                <a:off x="3813638" y="20574003"/>
+                <a:ext cx="854362" cy="6858001"/>
+              </a:xfrm>
+              <a:prstGeom prst="rect">
+                <a:avLst/>
+              </a:prstGeom>
+              <a:noFill/>
+              <a:extLst>
+                <a:ext uri="{909E8E84-426E-40DD-AFC4-6F175D3DCCD1}">
+                  <a14:hiddenFill xmlns:a14="http://schemas.microsoft.com/office/drawing/2010/main">
+                    <a:solidFill>
+                      <a:srgbClr val="FFFFFF"/>
+                    </a:solidFill>
+                  </a14:hiddenFill>
+                </a:ext>
+              </a:extLst>
+            </p:spPr>
+          </p:pic>
+          <p:pic>
+            <p:nvPicPr>
+              <p:cNvPr id="109" name="Picture 34" descr="주형 빨강 하양 배경 - Pixabay의 무료 이미지"/>
+              <p:cNvPicPr>
+                <a:picLocks noChangeAspect="1" noChangeArrowheads="1"/>
+              </p:cNvPicPr>
+              <p:nvPr/>
+            </p:nvPicPr>
+            <p:blipFill rotWithShape="1">
+              <a:blip r:embed="rId2">
+                <a:extLst>
+                  <a:ext uri="{28A0092B-C50C-407E-A947-70E740481C1C}">
+                    <a14:useLocalDpi xmlns:a14="http://schemas.microsoft.com/office/drawing/2010/main" val="0"/>
+                  </a:ext>
+                </a:extLst>
+              </a:blip>
+              <a:srcRect r="84185"/>
+              <a:stretch/>
+            </p:blipFill>
+            <p:spPr bwMode="auto">
+              <a:xfrm>
+                <a:off x="3813638" y="27432004"/>
+                <a:ext cx="854362" cy="6858001"/>
+              </a:xfrm>
+              <a:prstGeom prst="rect">
+                <a:avLst/>
+              </a:prstGeom>
+              <a:noFill/>
+              <a:extLst>
+                <a:ext uri="{909E8E84-426E-40DD-AFC4-6F175D3DCCD1}">
+                  <a14:hiddenFill xmlns:a14="http://schemas.microsoft.com/office/drawing/2010/main">
+                    <a:solidFill>
+                      <a:srgbClr val="FFFFFF"/>
+                    </a:solidFill>
+                  </a14:hiddenFill>
+                </a:ext>
+              </a:extLst>
+            </p:spPr>
+          </p:pic>
+        </p:grpSp>
+        <p:grpSp>
+          <p:nvGrpSpPr>
+            <p:cNvPr id="102" name="그룹 101"/>
+            <p:cNvGrpSpPr/>
+            <p:nvPr/>
+          </p:nvGrpSpPr>
+          <p:grpSpPr>
+            <a:xfrm>
+              <a:off x="3813638" y="34290005"/>
+              <a:ext cx="854362" cy="13334994"/>
+              <a:chOff x="3813638" y="34290005"/>
+              <a:chExt cx="854362" cy="13334994"/>
+            </a:xfrm>
+          </p:grpSpPr>
+          <p:pic>
+            <p:nvPicPr>
+              <p:cNvPr id="103" name="Picture 34" descr="주형 빨강 하양 배경 - Pixabay의 무료 이미지"/>
+              <p:cNvPicPr>
+                <a:picLocks noChangeAspect="1" noChangeArrowheads="1"/>
+              </p:cNvPicPr>
+              <p:nvPr/>
+            </p:nvPicPr>
+            <p:blipFill rotWithShape="1">
+              <a:blip r:embed="rId2">
+                <a:extLst>
+                  <a:ext uri="{28A0092B-C50C-407E-A947-70E740481C1C}">
+                    <a14:useLocalDpi xmlns:a14="http://schemas.microsoft.com/office/drawing/2010/main" val="0"/>
+                  </a:ext>
+                </a:extLst>
+              </a:blip>
+              <a:srcRect r="84185"/>
+              <a:stretch/>
+            </p:blipFill>
+            <p:spPr bwMode="auto">
+              <a:xfrm>
+                <a:off x="3813638" y="34290005"/>
+                <a:ext cx="854362" cy="6858001"/>
+              </a:xfrm>
+              <a:prstGeom prst="rect">
+                <a:avLst/>
+              </a:prstGeom>
+              <a:noFill/>
+              <a:extLst>
+                <a:ext uri="{909E8E84-426E-40DD-AFC4-6F175D3DCCD1}">
+                  <a14:hiddenFill xmlns:a14="http://schemas.microsoft.com/office/drawing/2010/main">
+                    <a:solidFill>
+                      <a:srgbClr val="FFFFFF"/>
+                    </a:solidFill>
+                  </a14:hiddenFill>
+                </a:ext>
+              </a:extLst>
+            </p:spPr>
+          </p:pic>
+          <p:pic>
+            <p:nvPicPr>
+              <p:cNvPr id="104" name="Picture 34" descr="주형 빨강 하양 배경 - Pixabay의 무료 이미지"/>
+              <p:cNvPicPr>
+                <a:picLocks noChangeAspect="1" noChangeArrowheads="1"/>
+              </p:cNvPicPr>
+              <p:nvPr/>
+            </p:nvPicPr>
+            <p:blipFill rotWithShape="1">
+              <a:blip r:embed="rId2">
+                <a:extLst>
+                  <a:ext uri="{28A0092B-C50C-407E-A947-70E740481C1C}">
+                    <a14:useLocalDpi xmlns:a14="http://schemas.microsoft.com/office/drawing/2010/main" val="0"/>
+                  </a:ext>
+                </a:extLst>
+              </a:blip>
+              <a:srcRect r="84185" b="5820"/>
+              <a:stretch/>
+            </p:blipFill>
+            <p:spPr bwMode="auto">
+              <a:xfrm>
+                <a:off x="3813638" y="41148006"/>
+                <a:ext cx="854362" cy="6476993"/>
+              </a:xfrm>
+              <a:prstGeom prst="rect">
+                <a:avLst/>
+              </a:prstGeom>
+              <a:noFill/>
+              <a:extLst>
+                <a:ext uri="{909E8E84-426E-40DD-AFC4-6F175D3DCCD1}">
+                  <a14:hiddenFill xmlns:a14="http://schemas.microsoft.com/office/drawing/2010/main">
+                    <a:solidFill>
+                      <a:srgbClr val="FFFFFF"/>
+                    </a:solidFill>
+                  </a14:hiddenFill>
+                </a:ext>
+              </a:extLst>
+            </p:spPr>
+          </p:pic>
+        </p:grpSp>
+      </p:grpSp>
+    </p:spTree>
+    <p:extLst>
+      <p:ext uri="{BB962C8B-B14F-4D97-AF65-F5344CB8AC3E}">
+        <p14:creationId xmlns:p14="http://schemas.microsoft.com/office/powerpoint/2010/main" val="1340015719"/>
+      </p:ext>
+    </p:extLst>
+  </p:cSld>
+  <p:clrMapOvr>
+    <a:masterClrMapping/>
+  </p:clrMapOvr>
+  <p:timing>
+    <p:tnLst>
+      <p:par>
+        <p:cTn id="1" dur="indefinite" restart="never" nodeType="tmRoot"/>
+      </p:par>
+    </p:tnLst>
+  </p:timing>
+</p:sld>
+</file>
+
+<file path=ppt/slides/slide3.xml><?xml version="1.0" encoding="utf-8"?>
+<p:sld xmlns:a="http://schemas.openxmlformats.org/drawingml/2006/main" xmlns:r="http://schemas.openxmlformats.org/officeDocument/2006/relationships" xmlns:p="http://schemas.openxmlformats.org/presentationml/2006/main">
+  <p:cSld>
+    <p:spTree>
+      <p:nvGrpSpPr>
+        <p:cNvPr id="1" name=""/>
+        <p:cNvGrpSpPr/>
+        <p:nvPr/>
+      </p:nvGrpSpPr>
+      <p:grpSpPr>
+        <a:xfrm>
+          <a:off x="0" y="0"/>
+          <a:ext cx="0" cy="0"/>
+          <a:chOff x="0" y="0"/>
+          <a:chExt cx="0" cy="0"/>
+        </a:xfrm>
+      </p:grpSpPr>
+      <p:grpSp>
+        <p:nvGrpSpPr>
           <p:cNvPr id="7" name="그룹 6"/>
           <p:cNvGrpSpPr/>
           <p:nvPr/>
@@ -3703,6 +4962,775 @@
           </p:spPr>
         </p:pic>
       </p:grpSp>
+    </p:spTree>
+    <p:extLst>
+      <p:ext uri="{BB962C8B-B14F-4D97-AF65-F5344CB8AC3E}">
+        <p14:creationId xmlns:p14="http://schemas.microsoft.com/office/powerpoint/2010/main" val="494575480"/>
+      </p:ext>
+    </p:extLst>
+  </p:cSld>
+  <p:clrMapOvr>
+    <a:masterClrMapping/>
+  </p:clrMapOvr>
+  <p:timing>
+    <p:tnLst>
+      <p:par>
+        <p:cTn id="1" dur="indefinite" restart="never" nodeType="tmRoot"/>
+      </p:par>
+    </p:tnLst>
+  </p:timing>
+</p:sld>
+</file>
+
+<file path=ppt/slides/slide4.xml><?xml version="1.0" encoding="utf-8"?>
+<p:sld xmlns:a="http://schemas.openxmlformats.org/drawingml/2006/main" xmlns:r="http://schemas.openxmlformats.org/officeDocument/2006/relationships" xmlns:p="http://schemas.openxmlformats.org/presentationml/2006/main">
+  <p:cSld>
+    <p:spTree>
+      <p:nvGrpSpPr>
+        <p:cNvPr id="1" name=""/>
+        <p:cNvGrpSpPr/>
+        <p:nvPr/>
+      </p:nvGrpSpPr>
+      <p:grpSpPr>
+        <a:xfrm>
+          <a:off x="0" y="0"/>
+          <a:ext cx="0" cy="0"/>
+          <a:chOff x="0" y="0"/>
+          <a:chExt cx="0" cy="0"/>
+        </a:xfrm>
+      </p:grpSpPr>
+      <p:grpSp>
+        <p:nvGrpSpPr>
+          <p:cNvPr id="7" name="그룹 6"/>
+          <p:cNvGrpSpPr/>
+          <p:nvPr/>
+        </p:nvGrpSpPr>
+        <p:grpSpPr>
+          <a:xfrm>
+            <a:off x="0" y="-144463"/>
+            <a:ext cx="3811200" cy="47769462"/>
+            <a:chOff x="0" y="-144463"/>
+            <a:chExt cx="3811200" cy="47769462"/>
+          </a:xfrm>
+        </p:grpSpPr>
+        <p:sp>
+          <p:nvSpPr>
+            <p:cNvPr id="4" name="AutoShape 28" descr="https://lh3.googleusercontent.com/gg-dl/AJfQ9KRZHCuCw5eWXlkwl5a0ZOp1sheC-YVYq1kjMaMOVXh7Ny4EvNGON7WJ8_11TOrTUBrFYqwCeIOcn7l8VsTtyny1NQkGaQsdfAgVUrX7-gkmgJLUTR230TQQ3aO3B_7THnAj-dX4_7okM5m9VwaW9lk1NEpoYNn5jE1hTo8y_OqTch8CdQ=s1024"/>
+            <p:cNvSpPr>
+              <a:spLocks noChangeAspect="1" noChangeArrowheads="1"/>
+            </p:cNvSpPr>
+            <p:nvPr/>
+          </p:nvSpPr>
+          <p:spPr bwMode="auto">
+            <a:xfrm>
+              <a:off x="155575" y="-144463"/>
+              <a:ext cx="304800" cy="304801"/>
+            </a:xfrm>
+            <a:prstGeom prst="rect">
+              <a:avLst/>
+            </a:prstGeom>
+            <a:noFill/>
+            <a:extLst>
+              <a:ext uri="{909E8E84-426E-40DD-AFC4-6F175D3DCCD1}">
+                <a14:hiddenFill xmlns:a14="http://schemas.microsoft.com/office/drawing/2010/main">
+                  <a:solidFill>
+                    <a:srgbClr val="FFFFFF"/>
+                  </a:solidFill>
+                </a14:hiddenFill>
+              </a:ext>
+            </a:extLst>
+          </p:spPr>
+          <p:txBody>
+            <a:bodyPr vert="horz" wrap="square" lIns="91440" tIns="45720" rIns="91440" bIns="45720" numCol="1" anchor="t" anchorCtr="0" compatLnSpc="1">
+              <a:prstTxWarp prst="textNoShape">
+                <a:avLst/>
+              </a:prstTxWarp>
+            </a:bodyPr>
+            <a:lstStyle/>
+            <a:p>
+              <a:endParaRPr lang="ko-KR" altLang="en-US"/>
+            </a:p>
+          </p:txBody>
+        </p:sp>
+        <p:pic>
+          <p:nvPicPr>
+            <p:cNvPr id="1054" name="Picture 30" descr="겨울 패턴 겨울 물건 배경 | 프리미엄 벡터"/>
+            <p:cNvPicPr>
+              <a:picLocks noChangeAspect="1" noChangeArrowheads="1"/>
+            </p:cNvPicPr>
+            <p:nvPr/>
+          </p:nvPicPr>
+          <p:blipFill rotWithShape="1">
+            <a:blip r:embed="rId2">
+              <a:extLst>
+                <a:ext uri="{28A0092B-C50C-407E-A947-70E740481C1C}">
+                  <a14:useLocalDpi xmlns:a14="http://schemas.microsoft.com/office/drawing/2010/main" val="0"/>
+                </a:ext>
+              </a:extLst>
+            </a:blip>
+            <a:srcRect r="36422"/>
+            <a:stretch/>
+          </p:blipFill>
+          <p:spPr bwMode="auto">
+            <a:xfrm>
+              <a:off x="0" y="0"/>
+              <a:ext cx="3811200" cy="5962650"/>
+            </a:xfrm>
+            <a:prstGeom prst="rect">
+              <a:avLst/>
+            </a:prstGeom>
+            <a:noFill/>
+            <a:extLst>
+              <a:ext uri="{909E8E84-426E-40DD-AFC4-6F175D3DCCD1}">
+                <a14:hiddenFill xmlns:a14="http://schemas.microsoft.com/office/drawing/2010/main">
+                  <a:solidFill>
+                    <a:srgbClr val="FFFFFF"/>
+                  </a:solidFill>
+                </a14:hiddenFill>
+              </a:ext>
+            </a:extLst>
+          </p:spPr>
+        </p:pic>
+        <p:pic>
+          <p:nvPicPr>
+            <p:cNvPr id="54" name="Picture 30" descr="겨울 패턴 겨울 물건 배경 | 프리미엄 벡터"/>
+            <p:cNvPicPr>
+              <a:picLocks noChangeAspect="1" noChangeArrowheads="1"/>
+            </p:cNvPicPr>
+            <p:nvPr/>
+          </p:nvPicPr>
+          <p:blipFill rotWithShape="1">
+            <a:blip r:embed="rId2">
+              <a:extLst>
+                <a:ext uri="{28A0092B-C50C-407E-A947-70E740481C1C}">
+                  <a14:useLocalDpi xmlns:a14="http://schemas.microsoft.com/office/drawing/2010/main" val="0"/>
+                </a:ext>
+              </a:extLst>
+            </a:blip>
+            <a:srcRect r="36422"/>
+            <a:stretch/>
+          </p:blipFill>
+          <p:spPr bwMode="auto">
+            <a:xfrm>
+              <a:off x="0" y="5962650"/>
+              <a:ext cx="3811200" cy="5962650"/>
+            </a:xfrm>
+            <a:prstGeom prst="rect">
+              <a:avLst/>
+            </a:prstGeom>
+            <a:noFill/>
+            <a:extLst>
+              <a:ext uri="{909E8E84-426E-40DD-AFC4-6F175D3DCCD1}">
+                <a14:hiddenFill xmlns:a14="http://schemas.microsoft.com/office/drawing/2010/main">
+                  <a:solidFill>
+                    <a:srgbClr val="FFFFFF"/>
+                  </a:solidFill>
+                </a14:hiddenFill>
+              </a:ext>
+            </a:extLst>
+          </p:spPr>
+        </p:pic>
+        <p:pic>
+          <p:nvPicPr>
+            <p:cNvPr id="55" name="Picture 30" descr="겨울 패턴 겨울 물건 배경 | 프리미엄 벡터"/>
+            <p:cNvPicPr>
+              <a:picLocks noChangeAspect="1" noChangeArrowheads="1"/>
+            </p:cNvPicPr>
+            <p:nvPr/>
+          </p:nvPicPr>
+          <p:blipFill rotWithShape="1">
+            <a:blip r:embed="rId2">
+              <a:extLst>
+                <a:ext uri="{28A0092B-C50C-407E-A947-70E740481C1C}">
+                  <a14:useLocalDpi xmlns:a14="http://schemas.microsoft.com/office/drawing/2010/main" val="0"/>
+                </a:ext>
+              </a:extLst>
+            </a:blip>
+            <a:srcRect r="36422"/>
+            <a:stretch/>
+          </p:blipFill>
+          <p:spPr bwMode="auto">
+            <a:xfrm>
+              <a:off x="0" y="11925300"/>
+              <a:ext cx="3811200" cy="5962650"/>
+            </a:xfrm>
+            <a:prstGeom prst="rect">
+              <a:avLst/>
+            </a:prstGeom>
+            <a:noFill/>
+            <a:extLst>
+              <a:ext uri="{909E8E84-426E-40DD-AFC4-6F175D3DCCD1}">
+                <a14:hiddenFill xmlns:a14="http://schemas.microsoft.com/office/drawing/2010/main">
+                  <a:solidFill>
+                    <a:srgbClr val="FFFFFF"/>
+                  </a:solidFill>
+                </a14:hiddenFill>
+              </a:ext>
+            </a:extLst>
+          </p:spPr>
+        </p:pic>
+        <p:pic>
+          <p:nvPicPr>
+            <p:cNvPr id="56" name="Picture 30" descr="겨울 패턴 겨울 물건 배경 | 프리미엄 벡터"/>
+            <p:cNvPicPr>
+              <a:picLocks noChangeAspect="1" noChangeArrowheads="1"/>
+            </p:cNvPicPr>
+            <p:nvPr/>
+          </p:nvPicPr>
+          <p:blipFill rotWithShape="1">
+            <a:blip r:embed="rId2">
+              <a:extLst>
+                <a:ext uri="{28A0092B-C50C-407E-A947-70E740481C1C}">
+                  <a14:useLocalDpi xmlns:a14="http://schemas.microsoft.com/office/drawing/2010/main" val="0"/>
+                </a:ext>
+              </a:extLst>
+            </a:blip>
+            <a:srcRect r="36422"/>
+            <a:stretch/>
+          </p:blipFill>
+          <p:spPr bwMode="auto">
+            <a:xfrm>
+              <a:off x="0" y="17887950"/>
+              <a:ext cx="3811200" cy="5962650"/>
+            </a:xfrm>
+            <a:prstGeom prst="rect">
+              <a:avLst/>
+            </a:prstGeom>
+            <a:noFill/>
+            <a:extLst>
+              <a:ext uri="{909E8E84-426E-40DD-AFC4-6F175D3DCCD1}">
+                <a14:hiddenFill xmlns:a14="http://schemas.microsoft.com/office/drawing/2010/main">
+                  <a:solidFill>
+                    <a:srgbClr val="FFFFFF"/>
+                  </a:solidFill>
+                </a14:hiddenFill>
+              </a:ext>
+            </a:extLst>
+          </p:spPr>
+        </p:pic>
+        <p:pic>
+          <p:nvPicPr>
+            <p:cNvPr id="57" name="Picture 30" descr="겨울 패턴 겨울 물건 배경 | 프리미엄 벡터"/>
+            <p:cNvPicPr>
+              <a:picLocks noChangeAspect="1" noChangeArrowheads="1"/>
+            </p:cNvPicPr>
+            <p:nvPr/>
+          </p:nvPicPr>
+          <p:blipFill rotWithShape="1">
+            <a:blip r:embed="rId2">
+              <a:extLst>
+                <a:ext uri="{28A0092B-C50C-407E-A947-70E740481C1C}">
+                  <a14:useLocalDpi xmlns:a14="http://schemas.microsoft.com/office/drawing/2010/main" val="0"/>
+                </a:ext>
+              </a:extLst>
+            </a:blip>
+            <a:srcRect r="36422"/>
+            <a:stretch/>
+          </p:blipFill>
+          <p:spPr bwMode="auto">
+            <a:xfrm>
+              <a:off x="0" y="23850600"/>
+              <a:ext cx="3811200" cy="5962650"/>
+            </a:xfrm>
+            <a:prstGeom prst="rect">
+              <a:avLst/>
+            </a:prstGeom>
+            <a:noFill/>
+            <a:extLst>
+              <a:ext uri="{909E8E84-426E-40DD-AFC4-6F175D3DCCD1}">
+                <a14:hiddenFill xmlns:a14="http://schemas.microsoft.com/office/drawing/2010/main">
+                  <a:solidFill>
+                    <a:srgbClr val="FFFFFF"/>
+                  </a:solidFill>
+                </a14:hiddenFill>
+              </a:ext>
+            </a:extLst>
+          </p:spPr>
+        </p:pic>
+        <p:pic>
+          <p:nvPicPr>
+            <p:cNvPr id="58" name="Picture 30" descr="겨울 패턴 겨울 물건 배경 | 프리미엄 벡터"/>
+            <p:cNvPicPr>
+              <a:picLocks noChangeAspect="1" noChangeArrowheads="1"/>
+            </p:cNvPicPr>
+            <p:nvPr/>
+          </p:nvPicPr>
+          <p:blipFill rotWithShape="1">
+            <a:blip r:embed="rId2">
+              <a:extLst>
+                <a:ext uri="{28A0092B-C50C-407E-A947-70E740481C1C}">
+                  <a14:useLocalDpi xmlns:a14="http://schemas.microsoft.com/office/drawing/2010/main" val="0"/>
+                </a:ext>
+              </a:extLst>
+            </a:blip>
+            <a:srcRect r="36422"/>
+            <a:stretch/>
+          </p:blipFill>
+          <p:spPr bwMode="auto">
+            <a:xfrm>
+              <a:off x="0" y="29813250"/>
+              <a:ext cx="3811200" cy="5962650"/>
+            </a:xfrm>
+            <a:prstGeom prst="rect">
+              <a:avLst/>
+            </a:prstGeom>
+            <a:noFill/>
+            <a:extLst>
+              <a:ext uri="{909E8E84-426E-40DD-AFC4-6F175D3DCCD1}">
+                <a14:hiddenFill xmlns:a14="http://schemas.microsoft.com/office/drawing/2010/main">
+                  <a:solidFill>
+                    <a:srgbClr val="FFFFFF"/>
+                  </a:solidFill>
+                </a14:hiddenFill>
+              </a:ext>
+            </a:extLst>
+          </p:spPr>
+        </p:pic>
+        <p:pic>
+          <p:nvPicPr>
+            <p:cNvPr id="59" name="Picture 30" descr="겨울 패턴 겨울 물건 배경 | 프리미엄 벡터"/>
+            <p:cNvPicPr>
+              <a:picLocks noChangeAspect="1" noChangeArrowheads="1"/>
+            </p:cNvPicPr>
+            <p:nvPr/>
+          </p:nvPicPr>
+          <p:blipFill rotWithShape="1">
+            <a:blip r:embed="rId2">
+              <a:extLst>
+                <a:ext uri="{28A0092B-C50C-407E-A947-70E740481C1C}">
+                  <a14:useLocalDpi xmlns:a14="http://schemas.microsoft.com/office/drawing/2010/main" val="0"/>
+                </a:ext>
+              </a:extLst>
+            </a:blip>
+            <a:srcRect r="36422"/>
+            <a:stretch/>
+          </p:blipFill>
+          <p:spPr bwMode="auto">
+            <a:xfrm>
+              <a:off x="0" y="35775900"/>
+              <a:ext cx="3811200" cy="5962650"/>
+            </a:xfrm>
+            <a:prstGeom prst="rect">
+              <a:avLst/>
+            </a:prstGeom>
+            <a:noFill/>
+            <a:extLst>
+              <a:ext uri="{909E8E84-426E-40DD-AFC4-6F175D3DCCD1}">
+                <a14:hiddenFill xmlns:a14="http://schemas.microsoft.com/office/drawing/2010/main">
+                  <a:solidFill>
+                    <a:srgbClr val="FFFFFF"/>
+                  </a:solidFill>
+                </a14:hiddenFill>
+              </a:ext>
+            </a:extLst>
+          </p:spPr>
+        </p:pic>
+        <p:pic>
+          <p:nvPicPr>
+            <p:cNvPr id="60" name="Picture 30" descr="겨울 패턴 겨울 물건 배경 | 프리미엄 벡터"/>
+            <p:cNvPicPr>
+              <a:picLocks noChangeAspect="1" noChangeArrowheads="1"/>
+            </p:cNvPicPr>
+            <p:nvPr/>
+          </p:nvPicPr>
+          <p:blipFill rotWithShape="1">
+            <a:blip r:embed="rId2">
+              <a:extLst>
+                <a:ext uri="{28A0092B-C50C-407E-A947-70E740481C1C}">
+                  <a14:useLocalDpi xmlns:a14="http://schemas.microsoft.com/office/drawing/2010/main" val="0"/>
+                </a:ext>
+              </a:extLst>
+            </a:blip>
+            <a:srcRect r="36422"/>
+            <a:stretch/>
+          </p:blipFill>
+          <p:spPr bwMode="auto">
+            <a:xfrm>
+              <a:off x="0" y="41738550"/>
+              <a:ext cx="3811200" cy="5886449"/>
+            </a:xfrm>
+            <a:prstGeom prst="rect">
+              <a:avLst/>
+            </a:prstGeom>
+            <a:noFill/>
+            <a:extLst>
+              <a:ext uri="{909E8E84-426E-40DD-AFC4-6F175D3DCCD1}">
+                <a14:hiddenFill xmlns:a14="http://schemas.microsoft.com/office/drawing/2010/main">
+                  <a:solidFill>
+                    <a:srgbClr val="FFFFFF"/>
+                  </a:solidFill>
+                </a14:hiddenFill>
+              </a:ext>
+            </a:extLst>
+          </p:spPr>
+        </p:pic>
+      </p:grpSp>
+      <p:grpSp>
+        <p:nvGrpSpPr>
+          <p:cNvPr id="62" name="그룹 61"/>
+          <p:cNvGrpSpPr/>
+          <p:nvPr/>
+        </p:nvGrpSpPr>
+        <p:grpSpPr>
+          <a:xfrm>
+            <a:off x="11428800" y="-144463"/>
+            <a:ext cx="3811200" cy="47769462"/>
+            <a:chOff x="0" y="-144463"/>
+            <a:chExt cx="3811200" cy="47769462"/>
+          </a:xfrm>
+        </p:grpSpPr>
+        <p:sp>
+          <p:nvSpPr>
+            <p:cNvPr id="63" name="AutoShape 28" descr="https://lh3.googleusercontent.com/gg-dl/AJfQ9KRZHCuCw5eWXlkwl5a0ZOp1sheC-YVYq1kjMaMOVXh7Ny4EvNGON7WJ8_11TOrTUBrFYqwCeIOcn7l8VsTtyny1NQkGaQsdfAgVUrX7-gkmgJLUTR230TQQ3aO3B_7THnAj-dX4_7okM5m9VwaW9lk1NEpoYNn5jE1hTo8y_OqTch8CdQ=s1024"/>
+            <p:cNvSpPr>
+              <a:spLocks noChangeAspect="1" noChangeArrowheads="1"/>
+            </p:cNvSpPr>
+            <p:nvPr/>
+          </p:nvSpPr>
+          <p:spPr bwMode="auto">
+            <a:xfrm>
+              <a:off x="155575" y="-144463"/>
+              <a:ext cx="304800" cy="304801"/>
+            </a:xfrm>
+            <a:prstGeom prst="rect">
+              <a:avLst/>
+            </a:prstGeom>
+            <a:noFill/>
+            <a:extLst>
+              <a:ext uri="{909E8E84-426E-40DD-AFC4-6F175D3DCCD1}">
+                <a14:hiddenFill xmlns:a14="http://schemas.microsoft.com/office/drawing/2010/main">
+                  <a:solidFill>
+                    <a:srgbClr val="FFFFFF"/>
+                  </a:solidFill>
+                </a14:hiddenFill>
+              </a:ext>
+            </a:extLst>
+          </p:spPr>
+          <p:txBody>
+            <a:bodyPr vert="horz" wrap="square" lIns="91440" tIns="45720" rIns="91440" bIns="45720" numCol="1" anchor="t" anchorCtr="0" compatLnSpc="1">
+              <a:prstTxWarp prst="textNoShape">
+                <a:avLst/>
+              </a:prstTxWarp>
+            </a:bodyPr>
+            <a:lstStyle/>
+            <a:p>
+              <a:endParaRPr lang="ko-KR" altLang="en-US"/>
+            </a:p>
+          </p:txBody>
+        </p:sp>
+        <p:pic>
+          <p:nvPicPr>
+            <p:cNvPr id="64" name="Picture 30" descr="겨울 패턴 겨울 물건 배경 | 프리미엄 벡터"/>
+            <p:cNvPicPr>
+              <a:picLocks noChangeAspect="1" noChangeArrowheads="1"/>
+            </p:cNvPicPr>
+            <p:nvPr/>
+          </p:nvPicPr>
+          <p:blipFill rotWithShape="1">
+            <a:blip r:embed="rId2">
+              <a:extLst>
+                <a:ext uri="{28A0092B-C50C-407E-A947-70E740481C1C}">
+                  <a14:useLocalDpi xmlns:a14="http://schemas.microsoft.com/office/drawing/2010/main" val="0"/>
+                </a:ext>
+              </a:extLst>
+            </a:blip>
+            <a:srcRect r="36422"/>
+            <a:stretch/>
+          </p:blipFill>
+          <p:spPr bwMode="auto">
+            <a:xfrm>
+              <a:off x="0" y="0"/>
+              <a:ext cx="3811200" cy="5962650"/>
+            </a:xfrm>
+            <a:prstGeom prst="rect">
+              <a:avLst/>
+            </a:prstGeom>
+            <a:noFill/>
+            <a:extLst>
+              <a:ext uri="{909E8E84-426E-40DD-AFC4-6F175D3DCCD1}">
+                <a14:hiddenFill xmlns:a14="http://schemas.microsoft.com/office/drawing/2010/main">
+                  <a:solidFill>
+                    <a:srgbClr val="FFFFFF"/>
+                  </a:solidFill>
+                </a14:hiddenFill>
+              </a:ext>
+            </a:extLst>
+          </p:spPr>
+        </p:pic>
+        <p:pic>
+          <p:nvPicPr>
+            <p:cNvPr id="65" name="Picture 30" descr="겨울 패턴 겨울 물건 배경 | 프리미엄 벡터"/>
+            <p:cNvPicPr>
+              <a:picLocks noChangeAspect="1" noChangeArrowheads="1"/>
+            </p:cNvPicPr>
+            <p:nvPr/>
+          </p:nvPicPr>
+          <p:blipFill rotWithShape="1">
+            <a:blip r:embed="rId2">
+              <a:extLst>
+                <a:ext uri="{28A0092B-C50C-407E-A947-70E740481C1C}">
+                  <a14:useLocalDpi xmlns:a14="http://schemas.microsoft.com/office/drawing/2010/main" val="0"/>
+                </a:ext>
+              </a:extLst>
+            </a:blip>
+            <a:srcRect r="36422"/>
+            <a:stretch/>
+          </p:blipFill>
+          <p:spPr bwMode="auto">
+            <a:xfrm>
+              <a:off x="0" y="5962650"/>
+              <a:ext cx="3811200" cy="5962650"/>
+            </a:xfrm>
+            <a:prstGeom prst="rect">
+              <a:avLst/>
+            </a:prstGeom>
+            <a:noFill/>
+            <a:extLst>
+              <a:ext uri="{909E8E84-426E-40DD-AFC4-6F175D3DCCD1}">
+                <a14:hiddenFill xmlns:a14="http://schemas.microsoft.com/office/drawing/2010/main">
+                  <a:solidFill>
+                    <a:srgbClr val="FFFFFF"/>
+                  </a:solidFill>
+                </a14:hiddenFill>
+              </a:ext>
+            </a:extLst>
+          </p:spPr>
+        </p:pic>
+        <p:pic>
+          <p:nvPicPr>
+            <p:cNvPr id="66" name="Picture 30" descr="겨울 패턴 겨울 물건 배경 | 프리미엄 벡터"/>
+            <p:cNvPicPr>
+              <a:picLocks noChangeAspect="1" noChangeArrowheads="1"/>
+            </p:cNvPicPr>
+            <p:nvPr/>
+          </p:nvPicPr>
+          <p:blipFill rotWithShape="1">
+            <a:blip r:embed="rId2">
+              <a:extLst>
+                <a:ext uri="{28A0092B-C50C-407E-A947-70E740481C1C}">
+                  <a14:useLocalDpi xmlns:a14="http://schemas.microsoft.com/office/drawing/2010/main" val="0"/>
+                </a:ext>
+              </a:extLst>
+            </a:blip>
+            <a:srcRect r="36422"/>
+            <a:stretch/>
+          </p:blipFill>
+          <p:spPr bwMode="auto">
+            <a:xfrm>
+              <a:off x="0" y="11925300"/>
+              <a:ext cx="3811200" cy="5962650"/>
+            </a:xfrm>
+            <a:prstGeom prst="rect">
+              <a:avLst/>
+            </a:prstGeom>
+            <a:noFill/>
+            <a:extLst>
+              <a:ext uri="{909E8E84-426E-40DD-AFC4-6F175D3DCCD1}">
+                <a14:hiddenFill xmlns:a14="http://schemas.microsoft.com/office/drawing/2010/main">
+                  <a:solidFill>
+                    <a:srgbClr val="FFFFFF"/>
+                  </a:solidFill>
+                </a14:hiddenFill>
+              </a:ext>
+            </a:extLst>
+          </p:spPr>
+        </p:pic>
+        <p:pic>
+          <p:nvPicPr>
+            <p:cNvPr id="67" name="Picture 30" descr="겨울 패턴 겨울 물건 배경 | 프리미엄 벡터"/>
+            <p:cNvPicPr>
+              <a:picLocks noChangeAspect="1" noChangeArrowheads="1"/>
+            </p:cNvPicPr>
+            <p:nvPr/>
+          </p:nvPicPr>
+          <p:blipFill rotWithShape="1">
+            <a:blip r:embed="rId2">
+              <a:extLst>
+                <a:ext uri="{28A0092B-C50C-407E-A947-70E740481C1C}">
+                  <a14:useLocalDpi xmlns:a14="http://schemas.microsoft.com/office/drawing/2010/main" val="0"/>
+                </a:ext>
+              </a:extLst>
+            </a:blip>
+            <a:srcRect r="36422"/>
+            <a:stretch/>
+          </p:blipFill>
+          <p:spPr bwMode="auto">
+            <a:xfrm>
+              <a:off x="0" y="17887950"/>
+              <a:ext cx="3811200" cy="5962650"/>
+            </a:xfrm>
+            <a:prstGeom prst="rect">
+              <a:avLst/>
+            </a:prstGeom>
+            <a:noFill/>
+            <a:extLst>
+              <a:ext uri="{909E8E84-426E-40DD-AFC4-6F175D3DCCD1}">
+                <a14:hiddenFill xmlns:a14="http://schemas.microsoft.com/office/drawing/2010/main">
+                  <a:solidFill>
+                    <a:srgbClr val="FFFFFF"/>
+                  </a:solidFill>
+                </a14:hiddenFill>
+              </a:ext>
+            </a:extLst>
+          </p:spPr>
+        </p:pic>
+        <p:pic>
+          <p:nvPicPr>
+            <p:cNvPr id="68" name="Picture 30" descr="겨울 패턴 겨울 물건 배경 | 프리미엄 벡터"/>
+            <p:cNvPicPr>
+              <a:picLocks noChangeAspect="1" noChangeArrowheads="1"/>
+            </p:cNvPicPr>
+            <p:nvPr/>
+          </p:nvPicPr>
+          <p:blipFill rotWithShape="1">
+            <a:blip r:embed="rId2">
+              <a:extLst>
+                <a:ext uri="{28A0092B-C50C-407E-A947-70E740481C1C}">
+                  <a14:useLocalDpi xmlns:a14="http://schemas.microsoft.com/office/drawing/2010/main" val="0"/>
+                </a:ext>
+              </a:extLst>
+            </a:blip>
+            <a:srcRect r="36422"/>
+            <a:stretch/>
+          </p:blipFill>
+          <p:spPr bwMode="auto">
+            <a:xfrm>
+              <a:off x="0" y="23850600"/>
+              <a:ext cx="3811200" cy="5962650"/>
+            </a:xfrm>
+            <a:prstGeom prst="rect">
+              <a:avLst/>
+            </a:prstGeom>
+            <a:noFill/>
+            <a:extLst>
+              <a:ext uri="{909E8E84-426E-40DD-AFC4-6F175D3DCCD1}">
+                <a14:hiddenFill xmlns:a14="http://schemas.microsoft.com/office/drawing/2010/main">
+                  <a:solidFill>
+                    <a:srgbClr val="FFFFFF"/>
+                  </a:solidFill>
+                </a14:hiddenFill>
+              </a:ext>
+            </a:extLst>
+          </p:spPr>
+        </p:pic>
+        <p:pic>
+          <p:nvPicPr>
+            <p:cNvPr id="69" name="Picture 30" descr="겨울 패턴 겨울 물건 배경 | 프리미엄 벡터"/>
+            <p:cNvPicPr>
+              <a:picLocks noChangeAspect="1" noChangeArrowheads="1"/>
+            </p:cNvPicPr>
+            <p:nvPr/>
+          </p:nvPicPr>
+          <p:blipFill rotWithShape="1">
+            <a:blip r:embed="rId2">
+              <a:extLst>
+                <a:ext uri="{28A0092B-C50C-407E-A947-70E740481C1C}">
+                  <a14:useLocalDpi xmlns:a14="http://schemas.microsoft.com/office/drawing/2010/main" val="0"/>
+                </a:ext>
+              </a:extLst>
+            </a:blip>
+            <a:srcRect r="36422"/>
+            <a:stretch/>
+          </p:blipFill>
+          <p:spPr bwMode="auto">
+            <a:xfrm>
+              <a:off x="0" y="29813250"/>
+              <a:ext cx="3811200" cy="5962650"/>
+            </a:xfrm>
+            <a:prstGeom prst="rect">
+              <a:avLst/>
+            </a:prstGeom>
+            <a:noFill/>
+            <a:extLst>
+              <a:ext uri="{909E8E84-426E-40DD-AFC4-6F175D3DCCD1}">
+                <a14:hiddenFill xmlns:a14="http://schemas.microsoft.com/office/drawing/2010/main">
+                  <a:solidFill>
+                    <a:srgbClr val="FFFFFF"/>
+                  </a:solidFill>
+                </a14:hiddenFill>
+              </a:ext>
+            </a:extLst>
+          </p:spPr>
+        </p:pic>
+        <p:pic>
+          <p:nvPicPr>
+            <p:cNvPr id="70" name="Picture 30" descr="겨울 패턴 겨울 물건 배경 | 프리미엄 벡터"/>
+            <p:cNvPicPr>
+              <a:picLocks noChangeAspect="1" noChangeArrowheads="1"/>
+            </p:cNvPicPr>
+            <p:nvPr/>
+          </p:nvPicPr>
+          <p:blipFill rotWithShape="1">
+            <a:blip r:embed="rId2">
+              <a:extLst>
+                <a:ext uri="{28A0092B-C50C-407E-A947-70E740481C1C}">
+                  <a14:useLocalDpi xmlns:a14="http://schemas.microsoft.com/office/drawing/2010/main" val="0"/>
+                </a:ext>
+              </a:extLst>
+            </a:blip>
+            <a:srcRect r="36422"/>
+            <a:stretch/>
+          </p:blipFill>
+          <p:spPr bwMode="auto">
+            <a:xfrm>
+              <a:off x="0" y="35775900"/>
+              <a:ext cx="3811200" cy="5962650"/>
+            </a:xfrm>
+            <a:prstGeom prst="rect">
+              <a:avLst/>
+            </a:prstGeom>
+            <a:noFill/>
+            <a:extLst>
+              <a:ext uri="{909E8E84-426E-40DD-AFC4-6F175D3DCCD1}">
+                <a14:hiddenFill xmlns:a14="http://schemas.microsoft.com/office/drawing/2010/main">
+                  <a:solidFill>
+                    <a:srgbClr val="FFFFFF"/>
+                  </a:solidFill>
+                </a14:hiddenFill>
+              </a:ext>
+            </a:extLst>
+          </p:spPr>
+        </p:pic>
+        <p:pic>
+          <p:nvPicPr>
+            <p:cNvPr id="71" name="Picture 30" descr="겨울 패턴 겨울 물건 배경 | 프리미엄 벡터"/>
+            <p:cNvPicPr>
+              <a:picLocks noChangeAspect="1" noChangeArrowheads="1"/>
+            </p:cNvPicPr>
+            <p:nvPr/>
+          </p:nvPicPr>
+          <p:blipFill rotWithShape="1">
+            <a:blip r:embed="rId2">
+              <a:extLst>
+                <a:ext uri="{28A0092B-C50C-407E-A947-70E740481C1C}">
+                  <a14:useLocalDpi xmlns:a14="http://schemas.microsoft.com/office/drawing/2010/main" val="0"/>
+                </a:ext>
+              </a:extLst>
+            </a:blip>
+            <a:srcRect r="36422"/>
+            <a:stretch/>
+          </p:blipFill>
+          <p:spPr bwMode="auto">
+            <a:xfrm>
+              <a:off x="0" y="41738550"/>
+              <a:ext cx="3811200" cy="5886449"/>
+            </a:xfrm>
+            <a:prstGeom prst="rect">
+              <a:avLst/>
+            </a:prstGeom>
+            <a:noFill/>
+            <a:extLst>
+              <a:ext uri="{909E8E84-426E-40DD-AFC4-6F175D3DCCD1}">
+                <a14:hiddenFill xmlns:a14="http://schemas.microsoft.com/office/drawing/2010/main">
+                  <a:solidFill>
+                    <a:srgbClr val="FFFFFF"/>
+                  </a:solidFill>
+                </a14:hiddenFill>
+              </a:ext>
+            </a:extLst>
+          </p:spPr>
+        </p:pic>
+      </p:grpSp>
       <p:grpSp>
         <p:nvGrpSpPr>
           <p:cNvPr id="8" name="그룹 7"/>
@@ -4888,7 +6916,7 @@
     </p:spTree>
     <p:extLst>
       <p:ext uri="{BB962C8B-B14F-4D97-AF65-F5344CB8AC3E}">
-        <p14:creationId xmlns:p14="http://schemas.microsoft.com/office/powerpoint/2010/main" val="4222740753"/>
+        <p14:creationId xmlns:p14="http://schemas.microsoft.com/office/powerpoint/2010/main" val="356282940"/>
       </p:ext>
     </p:extLst>
   </p:cSld>
